--- a/docs/diagrams/TaskAddSequenceDiagram.pptx
+++ b/docs/diagrams/TaskAddSequenceDiagram.pptx
@@ -4230,14 +4230,26 @@
           <a:p>
             <a:pPr algn="r"/>
             <a:r>
-              <a:rPr lang="en-US" sz="1200" dirty="0"/>
+              <a:rPr lang="en-US" sz="1200" dirty="0">
+                <a:solidFill>
+                  <a:srgbClr val="0070C0"/>
+                </a:solidFill>
+              </a:rPr>
               <a:t>execute</a:t>
             </a:r>
             <a:r>
-              <a:rPr lang="en-US" sz="1200" dirty="0" smtClean="0"/>
+              <a:rPr lang="en-US" sz="1200" dirty="0" smtClean="0">
+                <a:solidFill>
+                  <a:srgbClr val="0070C0"/>
+                </a:solidFill>
+              </a:rPr>
               <a:t>(“task-add”)</a:t>
             </a:r>
-            <a:endParaRPr lang="en-US" sz="1200" dirty="0"/>
+            <a:endParaRPr lang="en-US" sz="1200" dirty="0">
+              <a:solidFill>
+                <a:srgbClr val="0070C0"/>
+              </a:solidFill>
+            </a:endParaRPr>
           </a:p>
         </p:txBody>
       </p:sp>
@@ -4285,8 +4297,8 @@
         </p:nvSpPr>
         <p:spPr>
           <a:xfrm>
-            <a:off x="3059832" y="4077072"/>
-            <a:ext cx="2520280" cy="246221"/>
+            <a:off x="3707904" y="4077072"/>
+            <a:ext cx="936104" cy="246221"/>
           </a:xfrm>
           <a:prstGeom prst="rect">
             <a:avLst/>
@@ -4394,14 +4406,26 @@
           </a:lstStyle>
           <a:p>
             <a:r>
-              <a:rPr lang="en-SG" sz="1600" dirty="0" smtClean="0"/>
-              <a:t>executeUndoableCommand</a:t>
-            </a:r>
-            <a:r>
-              <a:rPr lang="en-US" sz="1600" dirty="0" smtClean="0"/>
+              <a:rPr lang="en-SG" sz="1600" dirty="0" smtClean="0">
+                <a:solidFill>
+                  <a:srgbClr val="0070C0"/>
+                </a:solidFill>
+              </a:rPr>
+              <a:t>execute </a:t>
+            </a:r>
+            <a:r>
+              <a:rPr lang="en-US" sz="1600" dirty="0" smtClean="0">
+                <a:solidFill>
+                  <a:srgbClr val="0070C0"/>
+                </a:solidFill>
+              </a:rPr>
               <a:t>()</a:t>
             </a:r>
-            <a:endParaRPr lang="en-US" sz="1600" dirty="0"/>
+            <a:endParaRPr lang="en-US" sz="1600" dirty="0">
+              <a:solidFill>
+                <a:srgbClr val="0070C0"/>
+              </a:solidFill>
+            </a:endParaRPr>
           </a:p>
         </p:txBody>
       </p:sp>
@@ -4779,10 +4803,18 @@
           </a:lstStyle>
           <a:p>
             <a:r>
-              <a:rPr lang="en-US" sz="1600" dirty="0" smtClean="0"/>
+              <a:rPr lang="en-US" sz="1600" dirty="0" smtClean="0">
+                <a:solidFill>
+                  <a:srgbClr val="0070C0"/>
+                </a:solidFill>
+              </a:rPr>
               <a:t>addTask()</a:t>
             </a:r>
-            <a:endParaRPr lang="en-US" sz="1600" dirty="0"/>
+            <a:endParaRPr lang="en-US" sz="1600" dirty="0">
+              <a:solidFill>
+                <a:srgbClr val="0070C0"/>
+              </a:solidFill>
+            </a:endParaRPr>
           </a:p>
         </p:txBody>
       </p:sp>
@@ -4903,14 +4935,26 @@
           </a:lstStyle>
           <a:p>
             <a:r>
-              <a:rPr lang="en-US" sz="1200" dirty="0"/>
+              <a:rPr lang="en-US" sz="1200" dirty="0">
+                <a:solidFill>
+                  <a:srgbClr val="0070C0"/>
+                </a:solidFill>
+              </a:rPr>
               <a:t>parseCommand</a:t>
             </a:r>
             <a:r>
-              <a:rPr lang="en-US" sz="1200" dirty="0" smtClean="0"/>
+              <a:rPr lang="en-US" sz="1200" dirty="0" smtClean="0">
+                <a:solidFill>
+                  <a:srgbClr val="0070C0"/>
+                </a:solidFill>
+              </a:rPr>
               <a:t>(“task-add”)</a:t>
             </a:r>
-            <a:endParaRPr lang="en-US" sz="1200" dirty="0"/>
+            <a:endParaRPr lang="en-US" sz="1200" dirty="0">
+              <a:solidFill>
+                <a:srgbClr val="0070C0"/>
+              </a:solidFill>
+            </a:endParaRPr>
           </a:p>
         </p:txBody>
       </p:sp>
@@ -5031,7 +5075,11 @@
           </a:lstStyle>
           <a:p>
             <a:r>
-              <a:rPr lang="en-US" sz="1600" dirty="0"/>
+              <a:rPr lang="en-US" sz="1600" dirty="0">
+                <a:solidFill>
+                  <a:srgbClr val="0070C0"/>
+                </a:solidFill>
+              </a:rPr>
               <a:t>result</a:t>
             </a:r>
           </a:p>
@@ -5154,7 +5202,11 @@
           </a:lstStyle>
           <a:p>
             <a:r>
-              <a:rPr lang="en-US" sz="1600" dirty="0"/>
+              <a:rPr lang="en-US" sz="1600" dirty="0">
+                <a:solidFill>
+                  <a:srgbClr val="0070C0"/>
+                </a:solidFill>
+              </a:rPr>
               <a:t>result</a:t>
             </a:r>
           </a:p>
@@ -5168,7 +5220,7 @@
         </p:nvSpPr>
         <p:spPr>
           <a:xfrm>
-            <a:off x="2191417" y="3501008"/>
+            <a:off x="2051720" y="3501008"/>
             <a:ext cx="220343" cy="246221"/>
           </a:xfrm>
           <a:prstGeom prst="rect">
@@ -5277,10 +5329,18 @@
           </a:lstStyle>
           <a:p>
             <a:r>
-              <a:rPr lang="en-US" sz="1600" dirty="0" smtClean="0"/>
+              <a:rPr lang="en-US" sz="1600" dirty="0" smtClean="0">
+                <a:solidFill>
+                  <a:srgbClr val="0070C0"/>
+                </a:solidFill>
+              </a:rPr>
               <a:t>ta</a:t>
             </a:r>
-            <a:endParaRPr lang="en-US" sz="1600" dirty="0"/>
+            <a:endParaRPr lang="en-US" sz="1600" dirty="0">
+              <a:solidFill>
+                <a:srgbClr val="0070C0"/>
+              </a:solidFill>
+            </a:endParaRPr>
           </a:p>
         </p:txBody>
       </p:sp>
@@ -5836,7 +5896,7 @@
           <p:cNvPr id="75" name="Straight Arrow Connector 74">
             <a:extLst>
               <a:ext uri="{FF2B5EF4-FFF2-40B4-BE49-F238E27FC236}">
-                <a16:creationId xmlns="" xmlns:a16="http://schemas.microsoft.com/office/drawing/2014/main" xmlns:lc="http://schemas.openxmlformats.org/drawingml/2006/lockedCanvas" id="{39916E2E-195A-4DC8-B025-B05FA87E6796}"/>
+                <a16:creationId xmlns:lc="http://schemas.openxmlformats.org/drawingml/2006/lockedCanvas" xmlns:a16="http://schemas.microsoft.com/office/drawing/2014/main" xmlns="" id="{39916E2E-195A-4DC8-B025-B05FA87E6796}"/>
               </a:ext>
             </a:extLst>
           </p:cNvPr>
@@ -5880,7 +5940,7 @@
           <p:cNvPr id="76" name="Straight Arrow Connector 75">
             <a:extLst>
               <a:ext uri="{FF2B5EF4-FFF2-40B4-BE49-F238E27FC236}">
-                <a16:creationId xmlns="" xmlns:a16="http://schemas.microsoft.com/office/drawing/2014/main" xmlns:lc="http://schemas.openxmlformats.org/drawingml/2006/lockedCanvas" id="{D881596E-177C-4FDC-8E60-CAB90B3D5FAB}"/>
+                <a16:creationId xmlns:lc="http://schemas.openxmlformats.org/drawingml/2006/lockedCanvas" xmlns:a16="http://schemas.microsoft.com/office/drawing/2014/main" xmlns="" id="{D881596E-177C-4FDC-8E60-CAB90B3D5FAB}"/>
               </a:ext>
             </a:extLst>
           </p:cNvPr>
@@ -5924,7 +5984,7 @@
           <p:cNvPr id="77" name="Straight Arrow Connector 76">
             <a:extLst>
               <a:ext uri="{FF2B5EF4-FFF2-40B4-BE49-F238E27FC236}">
-                <a16:creationId xmlns="" xmlns:a16="http://schemas.microsoft.com/office/drawing/2014/main" xmlns:lc="http://schemas.openxmlformats.org/drawingml/2006/lockedCanvas" id="{7C9F21BC-13A9-471F-825A-2621FD36355F}"/>
+                <a16:creationId xmlns:lc="http://schemas.openxmlformats.org/drawingml/2006/lockedCanvas" xmlns:a16="http://schemas.microsoft.com/office/drawing/2014/main" xmlns="" id="{7C9F21BC-13A9-471F-825A-2621FD36355F}"/>
               </a:ext>
             </a:extLst>
           </p:cNvPr>
@@ -5970,7 +6030,7 @@
           <p:cNvPr id="78" name="Straight Arrow Connector 77">
             <a:extLst>
               <a:ext uri="{FF2B5EF4-FFF2-40B4-BE49-F238E27FC236}">
-                <a16:creationId xmlns="" xmlns:a16="http://schemas.microsoft.com/office/drawing/2014/main" xmlns:lc="http://schemas.openxmlformats.org/drawingml/2006/lockedCanvas" id="{854D9FBB-2B36-4DC9-8B58-F7F177A8E586}"/>
+                <a16:creationId xmlns:lc="http://schemas.openxmlformats.org/drawingml/2006/lockedCanvas" xmlns:a16="http://schemas.microsoft.com/office/drawing/2014/main" xmlns="" id="{854D9FBB-2B36-4DC9-8B58-F7F177A8E586}"/>
               </a:ext>
             </a:extLst>
           </p:cNvPr>
@@ -6422,10 +6482,18 @@
           </a:lstStyle>
           <a:p>
             <a:r>
-              <a:rPr lang="en-US" sz="1200" dirty="0" smtClean="0"/>
+              <a:rPr lang="en-US" sz="1200" dirty="0" smtClean="0">
+                <a:solidFill>
+                  <a:srgbClr val="0070C0"/>
+                </a:solidFill>
+              </a:rPr>
               <a:t>parse(“task-add”)</a:t>
             </a:r>
-            <a:endParaRPr lang="en-US" sz="1200" dirty="0"/>
+            <a:endParaRPr lang="en-US" sz="1200" dirty="0">
+              <a:solidFill>
+                <a:srgbClr val="0070C0"/>
+              </a:solidFill>
+            </a:endParaRPr>
           </a:p>
         </p:txBody>
       </p:sp>
@@ -6582,10 +6650,18 @@
           </a:lstStyle>
           <a:p>
             <a:r>
-              <a:rPr lang="en-US" sz="1600" dirty="0" smtClean="0"/>
+              <a:rPr lang="en-US" sz="1600" dirty="0" smtClean="0">
+                <a:solidFill>
+                  <a:srgbClr val="0070C0"/>
+                </a:solidFill>
+              </a:rPr>
               <a:t>ta</a:t>
             </a:r>
-            <a:endParaRPr lang="en-US" sz="1600" dirty="0"/>
+            <a:endParaRPr lang="en-US" sz="1600" dirty="0">
+              <a:solidFill>
+                <a:srgbClr val="0070C0"/>
+              </a:solidFill>
+            </a:endParaRPr>
           </a:p>
         </p:txBody>
       </p:sp>
@@ -6783,10 +6859,18 @@
           </a:lstStyle>
           <a:p>
             <a:r>
-              <a:rPr lang="en-US" sz="1600" dirty="0" smtClean="0"/>
+              <a:rPr lang="en-US" sz="1600" dirty="0" smtClean="0">
+                <a:solidFill>
+                  <a:srgbClr val="0070C0"/>
+                </a:solidFill>
+              </a:rPr>
               <a:t>ta</a:t>
             </a:r>
-            <a:endParaRPr lang="en-US" sz="1600" dirty="0"/>
+            <a:endParaRPr lang="en-US" sz="1600" dirty="0">
+              <a:solidFill>
+                <a:srgbClr val="0070C0"/>
+              </a:solidFill>
+            </a:endParaRPr>
           </a:p>
         </p:txBody>
       </p:sp>

--- a/docs/diagrams/TaskAddSequenceDiagram.pptx
+++ b/docs/diagrams/TaskAddSequenceDiagram.pptx
@@ -289,7 +289,7 @@
             <a:fld id="{8151F6BF-3986-48D8-86F9-857EFF229DCD}" type="datetimeFigureOut">
               <a:rPr lang="en-SG" smtClean="0"/>
               <a:pPr/>
-              <a:t>27/3/2018</a:t>
+              <a:t>2/4/2018</a:t>
             </a:fld>
             <a:endParaRPr lang="en-SG"/>
           </a:p>
@@ -456,7 +456,7 @@
             <a:fld id="{8151F6BF-3986-48D8-86F9-857EFF229DCD}" type="datetimeFigureOut">
               <a:rPr lang="en-SG" smtClean="0"/>
               <a:pPr/>
-              <a:t>27/3/2018</a:t>
+              <a:t>2/4/2018</a:t>
             </a:fld>
             <a:endParaRPr lang="en-SG"/>
           </a:p>
@@ -633,7 +633,7 @@
             <a:fld id="{8151F6BF-3986-48D8-86F9-857EFF229DCD}" type="datetimeFigureOut">
               <a:rPr lang="en-SG" smtClean="0"/>
               <a:pPr/>
-              <a:t>27/3/2018</a:t>
+              <a:t>2/4/2018</a:t>
             </a:fld>
             <a:endParaRPr lang="en-SG"/>
           </a:p>
@@ -800,7 +800,7 @@
             <a:fld id="{8151F6BF-3986-48D8-86F9-857EFF229DCD}" type="datetimeFigureOut">
               <a:rPr lang="en-SG" smtClean="0"/>
               <a:pPr/>
-              <a:t>27/3/2018</a:t>
+              <a:t>2/4/2018</a:t>
             </a:fld>
             <a:endParaRPr lang="en-SG"/>
           </a:p>
@@ -1043,7 +1043,7 @@
             <a:fld id="{8151F6BF-3986-48D8-86F9-857EFF229DCD}" type="datetimeFigureOut">
               <a:rPr lang="en-SG" smtClean="0"/>
               <a:pPr/>
-              <a:t>27/3/2018</a:t>
+              <a:t>2/4/2018</a:t>
             </a:fld>
             <a:endParaRPr lang="en-SG"/>
           </a:p>
@@ -1328,7 +1328,7 @@
             <a:fld id="{8151F6BF-3986-48D8-86F9-857EFF229DCD}" type="datetimeFigureOut">
               <a:rPr lang="en-SG" smtClean="0"/>
               <a:pPr/>
-              <a:t>27/3/2018</a:t>
+              <a:t>2/4/2018</a:t>
             </a:fld>
             <a:endParaRPr lang="en-SG"/>
           </a:p>
@@ -1747,7 +1747,7 @@
             <a:fld id="{8151F6BF-3986-48D8-86F9-857EFF229DCD}" type="datetimeFigureOut">
               <a:rPr lang="en-SG" smtClean="0"/>
               <a:pPr/>
-              <a:t>27/3/2018</a:t>
+              <a:t>2/4/2018</a:t>
             </a:fld>
             <a:endParaRPr lang="en-SG"/>
           </a:p>
@@ -1862,7 +1862,7 @@
             <a:fld id="{8151F6BF-3986-48D8-86F9-857EFF229DCD}" type="datetimeFigureOut">
               <a:rPr lang="en-SG" smtClean="0"/>
               <a:pPr/>
-              <a:t>27/3/2018</a:t>
+              <a:t>2/4/2018</a:t>
             </a:fld>
             <a:endParaRPr lang="en-SG"/>
           </a:p>
@@ -1954,7 +1954,7 @@
             <a:fld id="{8151F6BF-3986-48D8-86F9-857EFF229DCD}" type="datetimeFigureOut">
               <a:rPr lang="en-SG" smtClean="0"/>
               <a:pPr/>
-              <a:t>27/3/2018</a:t>
+              <a:t>2/4/2018</a:t>
             </a:fld>
             <a:endParaRPr lang="en-SG"/>
           </a:p>
@@ -2228,7 +2228,7 @@
             <a:fld id="{8151F6BF-3986-48D8-86F9-857EFF229DCD}" type="datetimeFigureOut">
               <a:rPr lang="en-SG" smtClean="0"/>
               <a:pPr/>
-              <a:t>27/3/2018</a:t>
+              <a:t>2/4/2018</a:t>
             </a:fld>
             <a:endParaRPr lang="en-SG"/>
           </a:p>
@@ -2478,7 +2478,7 @@
             <a:fld id="{8151F6BF-3986-48D8-86F9-857EFF229DCD}" type="datetimeFigureOut">
               <a:rPr lang="en-SG" smtClean="0"/>
               <a:pPr/>
-              <a:t>27/3/2018</a:t>
+              <a:t>2/4/2018</a:t>
             </a:fld>
             <a:endParaRPr lang="en-SG"/>
           </a:p>
@@ -2688,7 +2688,7 @@
             <a:fld id="{8151F6BF-3986-48D8-86F9-857EFF229DCD}" type="datetimeFigureOut">
               <a:rPr lang="en-SG" smtClean="0"/>
               <a:pPr/>
-              <a:t>27/3/2018</a:t>
+              <a:t>2/4/2018</a:t>
             </a:fld>
             <a:endParaRPr lang="en-SG"/>
           </a:p>
@@ -4092,7 +4092,7 @@
           </a:prstGeom>
           <a:ln w="19050">
             <a:solidFill>
-              <a:srgbClr val="00B050"/>
+              <a:srgbClr val="0070C0"/>
             </a:solidFill>
             <a:tailEnd type="arrow"/>
           </a:ln>
@@ -5896,7 +5896,7 @@
           <p:cNvPr id="75" name="Straight Arrow Connector 74">
             <a:extLst>
               <a:ext uri="{FF2B5EF4-FFF2-40B4-BE49-F238E27FC236}">
-                <a16:creationId xmlns:lc="http://schemas.openxmlformats.org/drawingml/2006/lockedCanvas" xmlns:a16="http://schemas.microsoft.com/office/drawing/2014/main" xmlns="" id="{39916E2E-195A-4DC8-B025-B05FA87E6796}"/>
+                <a16:creationId xmlns="" xmlns:a16="http://schemas.microsoft.com/office/drawing/2014/main" xmlns:lc="http://schemas.openxmlformats.org/drawingml/2006/lockedCanvas" id="{39916E2E-195A-4DC8-B025-B05FA87E6796}"/>
               </a:ext>
             </a:extLst>
           </p:cNvPr>
@@ -5940,7 +5940,7 @@
           <p:cNvPr id="76" name="Straight Arrow Connector 75">
             <a:extLst>
               <a:ext uri="{FF2B5EF4-FFF2-40B4-BE49-F238E27FC236}">
-                <a16:creationId xmlns:lc="http://schemas.openxmlformats.org/drawingml/2006/lockedCanvas" xmlns:a16="http://schemas.microsoft.com/office/drawing/2014/main" xmlns="" id="{D881596E-177C-4FDC-8E60-CAB90B3D5FAB}"/>
+                <a16:creationId xmlns="" xmlns:a16="http://schemas.microsoft.com/office/drawing/2014/main" xmlns:lc="http://schemas.openxmlformats.org/drawingml/2006/lockedCanvas" id="{D881596E-177C-4FDC-8E60-CAB90B3D5FAB}"/>
               </a:ext>
             </a:extLst>
           </p:cNvPr>
@@ -5984,7 +5984,7 @@
           <p:cNvPr id="77" name="Straight Arrow Connector 76">
             <a:extLst>
               <a:ext uri="{FF2B5EF4-FFF2-40B4-BE49-F238E27FC236}">
-                <a16:creationId xmlns:lc="http://schemas.openxmlformats.org/drawingml/2006/lockedCanvas" xmlns:a16="http://schemas.microsoft.com/office/drawing/2014/main" xmlns="" id="{7C9F21BC-13A9-471F-825A-2621FD36355F}"/>
+                <a16:creationId xmlns="" xmlns:a16="http://schemas.microsoft.com/office/drawing/2014/main" xmlns:lc="http://schemas.openxmlformats.org/drawingml/2006/lockedCanvas" id="{7C9F21BC-13A9-471F-825A-2621FD36355F}"/>
               </a:ext>
             </a:extLst>
           </p:cNvPr>
@@ -6030,7 +6030,7 @@
           <p:cNvPr id="78" name="Straight Arrow Connector 77">
             <a:extLst>
               <a:ext uri="{FF2B5EF4-FFF2-40B4-BE49-F238E27FC236}">
-                <a16:creationId xmlns:lc="http://schemas.openxmlformats.org/drawingml/2006/lockedCanvas" xmlns:a16="http://schemas.microsoft.com/office/drawing/2014/main" xmlns="" id="{854D9FBB-2B36-4DC9-8B58-F7F177A8E586}"/>
+                <a16:creationId xmlns="" xmlns:a16="http://schemas.microsoft.com/office/drawing/2014/main" xmlns:lc="http://schemas.openxmlformats.org/drawingml/2006/lockedCanvas" id="{854D9FBB-2B36-4DC9-8B58-F7F177A8E586}"/>
               </a:ext>
             </a:extLst>
           </p:cNvPr>

--- a/docs/diagrams/TaskAddSequenceDiagram.pptx
+++ b/docs/diagrams/TaskAddSequenceDiagram.pptx
@@ -4,6 +4,9 @@
   <p:sldMasterIdLst>
     <p:sldMasterId id="2147483648" r:id="rId1"/>
   </p:sldMasterIdLst>
+  <p:notesMasterIdLst>
+    <p:notesMasterId r:id="rId3"/>
+  </p:notesMasterIdLst>
   <p:sldIdLst>
     <p:sldId id="256" r:id="rId2"/>
   </p:sldIdLst>
@@ -107,6 +110,434 @@
 </p:presentation>
 </file>
 
+<file path=ppt/notesMasters/notesMaster1.xml><?xml version="1.0" encoding="utf-8"?>
+<p:notesMaster xmlns:a="http://schemas.openxmlformats.org/drawingml/2006/main" xmlns:r="http://schemas.openxmlformats.org/officeDocument/2006/relationships" xmlns:p="http://schemas.openxmlformats.org/presentationml/2006/main">
+  <p:cSld>
+    <p:bg>
+      <p:bgRef idx="1001">
+        <a:schemeClr val="bg1"/>
+      </p:bgRef>
+    </p:bg>
+    <p:spTree>
+      <p:nvGrpSpPr>
+        <p:cNvPr id="1" name=""/>
+        <p:cNvGrpSpPr/>
+        <p:nvPr/>
+      </p:nvGrpSpPr>
+      <p:grpSpPr>
+        <a:xfrm>
+          <a:off x="0" y="0"/>
+          <a:ext cx="0" cy="0"/>
+          <a:chOff x="0" y="0"/>
+          <a:chExt cx="0" cy="0"/>
+        </a:xfrm>
+      </p:grpSpPr>
+      <p:sp>
+        <p:nvSpPr>
+          <p:cNvPr id="2" name="Header Placeholder 1"/>
+          <p:cNvSpPr>
+            <a:spLocks noGrp="1"/>
+          </p:cNvSpPr>
+          <p:nvPr>
+            <p:ph type="hdr" sz="quarter"/>
+          </p:nvPr>
+        </p:nvSpPr>
+        <p:spPr>
+          <a:xfrm>
+            <a:off x="0" y="0"/>
+            <a:ext cx="2971800" cy="457200"/>
+          </a:xfrm>
+          <a:prstGeom prst="rect">
+            <a:avLst/>
+          </a:prstGeom>
+        </p:spPr>
+        <p:txBody>
+          <a:bodyPr vert="horz" lIns="91440" tIns="45720" rIns="91440" bIns="45720" rtlCol="0"/>
+          <a:lstStyle>
+            <a:lvl1pPr algn="l">
+              <a:defRPr sz="1200"/>
+            </a:lvl1pPr>
+          </a:lstStyle>
+          <a:p>
+            <a:endParaRPr lang="en-SG"/>
+          </a:p>
+        </p:txBody>
+      </p:sp>
+      <p:sp>
+        <p:nvSpPr>
+          <p:cNvPr id="3" name="Date Placeholder 2"/>
+          <p:cNvSpPr>
+            <a:spLocks noGrp="1"/>
+          </p:cNvSpPr>
+          <p:nvPr>
+            <p:ph type="dt" idx="1"/>
+          </p:nvPr>
+        </p:nvSpPr>
+        <p:spPr>
+          <a:xfrm>
+            <a:off x="3884613" y="0"/>
+            <a:ext cx="2971800" cy="457200"/>
+          </a:xfrm>
+          <a:prstGeom prst="rect">
+            <a:avLst/>
+          </a:prstGeom>
+        </p:spPr>
+        <p:txBody>
+          <a:bodyPr vert="horz" lIns="91440" tIns="45720" rIns="91440" bIns="45720" rtlCol="0"/>
+          <a:lstStyle>
+            <a:lvl1pPr algn="r">
+              <a:defRPr sz="1200"/>
+            </a:lvl1pPr>
+          </a:lstStyle>
+          <a:p>
+            <a:fld id="{0AA0F8B4-9005-4F06-BADC-29BE3D0E0717}" type="datetimeFigureOut">
+              <a:rPr lang="en-SG" smtClean="0"/>
+              <a:t>4/4/2018</a:t>
+            </a:fld>
+            <a:endParaRPr lang="en-SG"/>
+          </a:p>
+        </p:txBody>
+      </p:sp>
+      <p:sp>
+        <p:nvSpPr>
+          <p:cNvPr id="4" name="Slide Image Placeholder 3"/>
+          <p:cNvSpPr>
+            <a:spLocks noGrp="1" noRot="1" noChangeAspect="1"/>
+          </p:cNvSpPr>
+          <p:nvPr>
+            <p:ph type="sldImg" idx="2"/>
+          </p:nvPr>
+        </p:nvSpPr>
+        <p:spPr>
+          <a:xfrm>
+            <a:off x="1143000" y="685800"/>
+            <a:ext cx="4572000" cy="3429000"/>
+          </a:xfrm>
+          <a:prstGeom prst="rect">
+            <a:avLst/>
+          </a:prstGeom>
+          <a:noFill/>
+          <a:ln w="12700">
+            <a:solidFill>
+              <a:prstClr val="black"/>
+            </a:solidFill>
+          </a:ln>
+        </p:spPr>
+        <p:txBody>
+          <a:bodyPr vert="horz" lIns="91440" tIns="45720" rIns="91440" bIns="45720" rtlCol="0" anchor="ctr"/>
+          <a:lstStyle/>
+          <a:p>
+            <a:endParaRPr lang="en-SG"/>
+          </a:p>
+        </p:txBody>
+      </p:sp>
+      <p:sp>
+        <p:nvSpPr>
+          <p:cNvPr id="5" name="Notes Placeholder 4"/>
+          <p:cNvSpPr>
+            <a:spLocks noGrp="1"/>
+          </p:cNvSpPr>
+          <p:nvPr>
+            <p:ph type="body" sz="quarter" idx="3"/>
+          </p:nvPr>
+        </p:nvSpPr>
+        <p:spPr>
+          <a:xfrm>
+            <a:off x="685800" y="4343400"/>
+            <a:ext cx="5486400" cy="4114800"/>
+          </a:xfrm>
+          <a:prstGeom prst="rect">
+            <a:avLst/>
+          </a:prstGeom>
+        </p:spPr>
+        <p:txBody>
+          <a:bodyPr vert="horz" lIns="91440" tIns="45720" rIns="91440" bIns="45720" rtlCol="0">
+            <a:normAutofit/>
+          </a:bodyPr>
+          <a:lstStyle/>
+          <a:p>
+            <a:pPr lvl="0"/>
+            <a:r>
+              <a:rPr lang="en-US" smtClean="0"/>
+              <a:t>Click to edit Master text styles</a:t>
+            </a:r>
+          </a:p>
+          <a:p>
+            <a:pPr lvl="1"/>
+            <a:r>
+              <a:rPr lang="en-US" smtClean="0"/>
+              <a:t>Second level</a:t>
+            </a:r>
+          </a:p>
+          <a:p>
+            <a:pPr lvl="2"/>
+            <a:r>
+              <a:rPr lang="en-US" smtClean="0"/>
+              <a:t>Third level</a:t>
+            </a:r>
+          </a:p>
+          <a:p>
+            <a:pPr lvl="3"/>
+            <a:r>
+              <a:rPr lang="en-US" smtClean="0"/>
+              <a:t>Fourth level</a:t>
+            </a:r>
+          </a:p>
+          <a:p>
+            <a:pPr lvl="4"/>
+            <a:r>
+              <a:rPr lang="en-US" smtClean="0"/>
+              <a:t>Fifth level</a:t>
+            </a:r>
+            <a:endParaRPr lang="en-SG"/>
+          </a:p>
+        </p:txBody>
+      </p:sp>
+      <p:sp>
+        <p:nvSpPr>
+          <p:cNvPr id="6" name="Footer Placeholder 5"/>
+          <p:cNvSpPr>
+            <a:spLocks noGrp="1"/>
+          </p:cNvSpPr>
+          <p:nvPr>
+            <p:ph type="ftr" sz="quarter" idx="4"/>
+          </p:nvPr>
+        </p:nvSpPr>
+        <p:spPr>
+          <a:xfrm>
+            <a:off x="0" y="8685213"/>
+            <a:ext cx="2971800" cy="457200"/>
+          </a:xfrm>
+          <a:prstGeom prst="rect">
+            <a:avLst/>
+          </a:prstGeom>
+        </p:spPr>
+        <p:txBody>
+          <a:bodyPr vert="horz" lIns="91440" tIns="45720" rIns="91440" bIns="45720" rtlCol="0" anchor="b"/>
+          <a:lstStyle>
+            <a:lvl1pPr algn="l">
+              <a:defRPr sz="1200"/>
+            </a:lvl1pPr>
+          </a:lstStyle>
+          <a:p>
+            <a:endParaRPr lang="en-SG"/>
+          </a:p>
+        </p:txBody>
+      </p:sp>
+      <p:sp>
+        <p:nvSpPr>
+          <p:cNvPr id="7" name="Slide Number Placeholder 6"/>
+          <p:cNvSpPr>
+            <a:spLocks noGrp="1"/>
+          </p:cNvSpPr>
+          <p:nvPr>
+            <p:ph type="sldNum" sz="quarter" idx="5"/>
+          </p:nvPr>
+        </p:nvSpPr>
+        <p:spPr>
+          <a:xfrm>
+            <a:off x="3884613" y="8685213"/>
+            <a:ext cx="2971800" cy="457200"/>
+          </a:xfrm>
+          <a:prstGeom prst="rect">
+            <a:avLst/>
+          </a:prstGeom>
+        </p:spPr>
+        <p:txBody>
+          <a:bodyPr vert="horz" lIns="91440" tIns="45720" rIns="91440" bIns="45720" rtlCol="0" anchor="b"/>
+          <a:lstStyle>
+            <a:lvl1pPr algn="r">
+              <a:defRPr sz="1200"/>
+            </a:lvl1pPr>
+          </a:lstStyle>
+          <a:p>
+            <a:fld id="{AA31D469-8CB1-4C6F-8040-8AB90FC84376}" type="slidenum">
+              <a:rPr lang="en-SG" smtClean="0"/>
+              <a:t>‹#›</a:t>
+            </a:fld>
+            <a:endParaRPr lang="en-SG"/>
+          </a:p>
+        </p:txBody>
+      </p:sp>
+    </p:spTree>
+  </p:cSld>
+  <p:clrMap bg1="lt1" tx1="dk1" bg2="lt2" tx2="dk2" accent1="accent1" accent2="accent2" accent3="accent3" accent4="accent4" accent5="accent5" accent6="accent6" hlink="hlink" folHlink="folHlink"/>
+  <p:notesStyle>
+    <a:lvl1pPr marL="0" algn="l" defTabSz="914400" rtl="0" eaLnBrk="1" latinLnBrk="0" hangingPunct="1">
+      <a:defRPr sz="1200" kern="1200">
+        <a:solidFill>
+          <a:schemeClr val="tx1"/>
+        </a:solidFill>
+        <a:latin typeface="+mn-lt"/>
+        <a:ea typeface="+mn-ea"/>
+        <a:cs typeface="+mn-cs"/>
+      </a:defRPr>
+    </a:lvl1pPr>
+    <a:lvl2pPr marL="457200" algn="l" defTabSz="914400" rtl="0" eaLnBrk="1" latinLnBrk="0" hangingPunct="1">
+      <a:defRPr sz="1200" kern="1200">
+        <a:solidFill>
+          <a:schemeClr val="tx1"/>
+        </a:solidFill>
+        <a:latin typeface="+mn-lt"/>
+        <a:ea typeface="+mn-ea"/>
+        <a:cs typeface="+mn-cs"/>
+      </a:defRPr>
+    </a:lvl2pPr>
+    <a:lvl3pPr marL="914400" algn="l" defTabSz="914400" rtl="0" eaLnBrk="1" latinLnBrk="0" hangingPunct="1">
+      <a:defRPr sz="1200" kern="1200">
+        <a:solidFill>
+          <a:schemeClr val="tx1"/>
+        </a:solidFill>
+        <a:latin typeface="+mn-lt"/>
+        <a:ea typeface="+mn-ea"/>
+        <a:cs typeface="+mn-cs"/>
+      </a:defRPr>
+    </a:lvl3pPr>
+    <a:lvl4pPr marL="1371600" algn="l" defTabSz="914400" rtl="0" eaLnBrk="1" latinLnBrk="0" hangingPunct="1">
+      <a:defRPr sz="1200" kern="1200">
+        <a:solidFill>
+          <a:schemeClr val="tx1"/>
+        </a:solidFill>
+        <a:latin typeface="+mn-lt"/>
+        <a:ea typeface="+mn-ea"/>
+        <a:cs typeface="+mn-cs"/>
+      </a:defRPr>
+    </a:lvl4pPr>
+    <a:lvl5pPr marL="1828800" algn="l" defTabSz="914400" rtl="0" eaLnBrk="1" latinLnBrk="0" hangingPunct="1">
+      <a:defRPr sz="1200" kern="1200">
+        <a:solidFill>
+          <a:schemeClr val="tx1"/>
+        </a:solidFill>
+        <a:latin typeface="+mn-lt"/>
+        <a:ea typeface="+mn-ea"/>
+        <a:cs typeface="+mn-cs"/>
+      </a:defRPr>
+    </a:lvl5pPr>
+    <a:lvl6pPr marL="2286000" algn="l" defTabSz="914400" rtl="0" eaLnBrk="1" latinLnBrk="0" hangingPunct="1">
+      <a:defRPr sz="1200" kern="1200">
+        <a:solidFill>
+          <a:schemeClr val="tx1"/>
+        </a:solidFill>
+        <a:latin typeface="+mn-lt"/>
+        <a:ea typeface="+mn-ea"/>
+        <a:cs typeface="+mn-cs"/>
+      </a:defRPr>
+    </a:lvl6pPr>
+    <a:lvl7pPr marL="2743200" algn="l" defTabSz="914400" rtl="0" eaLnBrk="1" latinLnBrk="0" hangingPunct="1">
+      <a:defRPr sz="1200" kern="1200">
+        <a:solidFill>
+          <a:schemeClr val="tx1"/>
+        </a:solidFill>
+        <a:latin typeface="+mn-lt"/>
+        <a:ea typeface="+mn-ea"/>
+        <a:cs typeface="+mn-cs"/>
+      </a:defRPr>
+    </a:lvl7pPr>
+    <a:lvl8pPr marL="3200400" algn="l" defTabSz="914400" rtl="0" eaLnBrk="1" latinLnBrk="0" hangingPunct="1">
+      <a:defRPr sz="1200" kern="1200">
+        <a:solidFill>
+          <a:schemeClr val="tx1"/>
+        </a:solidFill>
+        <a:latin typeface="+mn-lt"/>
+        <a:ea typeface="+mn-ea"/>
+        <a:cs typeface="+mn-cs"/>
+      </a:defRPr>
+    </a:lvl8pPr>
+    <a:lvl9pPr marL="3657600" algn="l" defTabSz="914400" rtl="0" eaLnBrk="1" latinLnBrk="0" hangingPunct="1">
+      <a:defRPr sz="1200" kern="1200">
+        <a:solidFill>
+          <a:schemeClr val="tx1"/>
+        </a:solidFill>
+        <a:latin typeface="+mn-lt"/>
+        <a:ea typeface="+mn-ea"/>
+        <a:cs typeface="+mn-cs"/>
+      </a:defRPr>
+    </a:lvl9pPr>
+  </p:notesStyle>
+</p:notesMaster>
+</file>
+
+<file path=ppt/notesSlides/notesSlide1.xml><?xml version="1.0" encoding="utf-8"?>
+<p:notes xmlns:a="http://schemas.openxmlformats.org/drawingml/2006/main" xmlns:r="http://schemas.openxmlformats.org/officeDocument/2006/relationships" xmlns:p="http://schemas.openxmlformats.org/presentationml/2006/main">
+  <p:cSld>
+    <p:spTree>
+      <p:nvGrpSpPr>
+        <p:cNvPr id="1" name=""/>
+        <p:cNvGrpSpPr/>
+        <p:nvPr/>
+      </p:nvGrpSpPr>
+      <p:grpSpPr>
+        <a:xfrm>
+          <a:off x="0" y="0"/>
+          <a:ext cx="0" cy="0"/>
+          <a:chOff x="0" y="0"/>
+          <a:chExt cx="0" cy="0"/>
+        </a:xfrm>
+      </p:grpSpPr>
+      <p:sp>
+        <p:nvSpPr>
+          <p:cNvPr id="2" name="Slide Image Placeholder 1"/>
+          <p:cNvSpPr>
+            <a:spLocks noGrp="1" noRot="1" noChangeAspect="1"/>
+          </p:cNvSpPr>
+          <p:nvPr>
+            <p:ph type="sldImg"/>
+          </p:nvPr>
+        </p:nvSpPr>
+        <p:spPr/>
+      </p:sp>
+      <p:sp>
+        <p:nvSpPr>
+          <p:cNvPr id="3" name="Notes Placeholder 2"/>
+          <p:cNvSpPr>
+            <a:spLocks noGrp="1"/>
+          </p:cNvSpPr>
+          <p:nvPr>
+            <p:ph type="body" idx="1"/>
+          </p:nvPr>
+        </p:nvSpPr>
+        <p:spPr/>
+        <p:txBody>
+          <a:bodyPr>
+            <a:normAutofit/>
+          </a:bodyPr>
+          <a:lstStyle/>
+          <a:p>
+            <a:endParaRPr lang="en-SG" dirty="0"/>
+          </a:p>
+        </p:txBody>
+      </p:sp>
+      <p:sp>
+        <p:nvSpPr>
+          <p:cNvPr id="4" name="Slide Number Placeholder 3"/>
+          <p:cNvSpPr>
+            <a:spLocks noGrp="1"/>
+          </p:cNvSpPr>
+          <p:nvPr>
+            <p:ph type="sldNum" sz="quarter" idx="10"/>
+          </p:nvPr>
+        </p:nvSpPr>
+        <p:spPr/>
+        <p:txBody>
+          <a:bodyPr/>
+          <a:lstStyle/>
+          <a:p>
+            <a:fld id="{AA31D469-8CB1-4C6F-8040-8AB90FC84376}" type="slidenum">
+              <a:rPr lang="en-SG" smtClean="0"/>
+              <a:t>1</a:t>
+            </a:fld>
+            <a:endParaRPr lang="en-SG"/>
+          </a:p>
+        </p:txBody>
+      </p:sp>
+    </p:spTree>
+  </p:cSld>
+  <p:clrMapOvr>
+    <a:masterClrMapping/>
+  </p:clrMapOvr>
+</p:notes>
+</file>
+
 <file path=ppt/slideLayouts/slideLayout1.xml><?xml version="1.0" encoding="utf-8"?>
 <p:sldLayout xmlns:a="http://schemas.openxmlformats.org/drawingml/2006/main" xmlns:r="http://schemas.openxmlformats.org/officeDocument/2006/relationships" xmlns:p="http://schemas.openxmlformats.org/presentationml/2006/main" type="title" preserve="1">
   <p:cSld name="Title Slide">
@@ -289,7 +720,7 @@
             <a:fld id="{8151F6BF-3986-48D8-86F9-857EFF229DCD}" type="datetimeFigureOut">
               <a:rPr lang="en-SG" smtClean="0"/>
               <a:pPr/>
-              <a:t>2/4/2018</a:t>
+              <a:t>4/4/2018</a:t>
             </a:fld>
             <a:endParaRPr lang="en-SG"/>
           </a:p>
@@ -456,7 +887,7 @@
             <a:fld id="{8151F6BF-3986-48D8-86F9-857EFF229DCD}" type="datetimeFigureOut">
               <a:rPr lang="en-SG" smtClean="0"/>
               <a:pPr/>
-              <a:t>2/4/2018</a:t>
+              <a:t>4/4/2018</a:t>
             </a:fld>
             <a:endParaRPr lang="en-SG"/>
           </a:p>
@@ -633,7 +1064,7 @@
             <a:fld id="{8151F6BF-3986-48D8-86F9-857EFF229DCD}" type="datetimeFigureOut">
               <a:rPr lang="en-SG" smtClean="0"/>
               <a:pPr/>
-              <a:t>2/4/2018</a:t>
+              <a:t>4/4/2018</a:t>
             </a:fld>
             <a:endParaRPr lang="en-SG"/>
           </a:p>
@@ -800,7 +1231,7 @@
             <a:fld id="{8151F6BF-3986-48D8-86F9-857EFF229DCD}" type="datetimeFigureOut">
               <a:rPr lang="en-SG" smtClean="0"/>
               <a:pPr/>
-              <a:t>2/4/2018</a:t>
+              <a:t>4/4/2018</a:t>
             </a:fld>
             <a:endParaRPr lang="en-SG"/>
           </a:p>
@@ -1043,7 +1474,7 @@
             <a:fld id="{8151F6BF-3986-48D8-86F9-857EFF229DCD}" type="datetimeFigureOut">
               <a:rPr lang="en-SG" smtClean="0"/>
               <a:pPr/>
-              <a:t>2/4/2018</a:t>
+              <a:t>4/4/2018</a:t>
             </a:fld>
             <a:endParaRPr lang="en-SG"/>
           </a:p>
@@ -1328,7 +1759,7 @@
             <a:fld id="{8151F6BF-3986-48D8-86F9-857EFF229DCD}" type="datetimeFigureOut">
               <a:rPr lang="en-SG" smtClean="0"/>
               <a:pPr/>
-              <a:t>2/4/2018</a:t>
+              <a:t>4/4/2018</a:t>
             </a:fld>
             <a:endParaRPr lang="en-SG"/>
           </a:p>
@@ -1747,7 +2178,7 @@
             <a:fld id="{8151F6BF-3986-48D8-86F9-857EFF229DCD}" type="datetimeFigureOut">
               <a:rPr lang="en-SG" smtClean="0"/>
               <a:pPr/>
-              <a:t>2/4/2018</a:t>
+              <a:t>4/4/2018</a:t>
             </a:fld>
             <a:endParaRPr lang="en-SG"/>
           </a:p>
@@ -1862,7 +2293,7 @@
             <a:fld id="{8151F6BF-3986-48D8-86F9-857EFF229DCD}" type="datetimeFigureOut">
               <a:rPr lang="en-SG" smtClean="0"/>
               <a:pPr/>
-              <a:t>2/4/2018</a:t>
+              <a:t>4/4/2018</a:t>
             </a:fld>
             <a:endParaRPr lang="en-SG"/>
           </a:p>
@@ -1954,7 +2385,7 @@
             <a:fld id="{8151F6BF-3986-48D8-86F9-857EFF229DCD}" type="datetimeFigureOut">
               <a:rPr lang="en-SG" smtClean="0"/>
               <a:pPr/>
-              <a:t>2/4/2018</a:t>
+              <a:t>4/4/2018</a:t>
             </a:fld>
             <a:endParaRPr lang="en-SG"/>
           </a:p>
@@ -2228,7 +2659,7 @@
             <a:fld id="{8151F6BF-3986-48D8-86F9-857EFF229DCD}" type="datetimeFigureOut">
               <a:rPr lang="en-SG" smtClean="0"/>
               <a:pPr/>
-              <a:t>2/4/2018</a:t>
+              <a:t>4/4/2018</a:t>
             </a:fld>
             <a:endParaRPr lang="en-SG"/>
           </a:p>
@@ -2478,7 +2909,7 @@
             <a:fld id="{8151F6BF-3986-48D8-86F9-857EFF229DCD}" type="datetimeFigureOut">
               <a:rPr lang="en-SG" smtClean="0"/>
               <a:pPr/>
-              <a:t>2/4/2018</a:t>
+              <a:t>4/4/2018</a:t>
             </a:fld>
             <a:endParaRPr lang="en-SG"/>
           </a:p>
@@ -2688,7 +3119,7 @@
             <a:fld id="{8151F6BF-3986-48D8-86F9-857EFF229DCD}" type="datetimeFigureOut">
               <a:rPr lang="en-SG" smtClean="0"/>
               <a:pPr/>
-              <a:t>2/4/2018</a:t>
+              <a:t>4/4/2018</a:t>
             </a:fld>
             <a:endParaRPr lang="en-SG"/>
           </a:p>
@@ -3067,8 +3498,8 @@
         </p:nvSpPr>
         <p:spPr>
           <a:xfrm>
-            <a:off x="513922" y="1124744"/>
-            <a:ext cx="8594582" cy="5040560"/>
+            <a:off x="359024" y="620688"/>
+            <a:ext cx="8784976" cy="5472608"/>
           </a:xfrm>
           <a:prstGeom prst="roundRect">
             <a:avLst>
@@ -3222,7 +3653,7 @@
         </p:nvSpPr>
         <p:spPr>
           <a:xfrm>
-            <a:off x="628113" y="1512098"/>
+            <a:off x="628113" y="1052736"/>
             <a:ext cx="1455629" cy="346760"/>
           </a:xfrm>
           <a:prstGeom prst="rect">
@@ -3377,8 +3808,8 @@
         </p:nvCxnSpPr>
         <p:spPr>
           <a:xfrm>
-            <a:off x="1355927" y="1891816"/>
-            <a:ext cx="0" cy="4140000"/>
+            <a:off x="1355927" y="1413296"/>
+            <a:ext cx="0" cy="4500000"/>
           </a:xfrm>
           <a:prstGeom prst="line">
             <a:avLst/>
@@ -3415,7 +3846,7 @@
         <p:spPr>
           <a:xfrm>
             <a:off x="1283919" y="2226462"/>
-            <a:ext cx="152400" cy="3600000"/>
+            <a:ext cx="152400" cy="3463200"/>
           </a:xfrm>
           <a:prstGeom prst="rect">
             <a:avLst/>
@@ -3555,7 +3986,7 @@
         </p:nvSpPr>
         <p:spPr>
           <a:xfrm>
-            <a:off x="2560712" y="1360461"/>
+            <a:off x="2704728" y="1052736"/>
             <a:ext cx="1219200" cy="467684"/>
           </a:xfrm>
           <a:prstGeom prst="rect">
@@ -3721,8 +4152,8 @@
         </p:nvCxnSpPr>
         <p:spPr>
           <a:xfrm>
-            <a:off x="3097167" y="1845056"/>
-            <a:ext cx="0" cy="2088000"/>
+            <a:off x="3241183" y="1413056"/>
+            <a:ext cx="0" cy="2844000"/>
           </a:xfrm>
           <a:prstGeom prst="line">
             <a:avLst/>
@@ -3758,8 +4189,8 @@
         </p:nvSpPr>
         <p:spPr>
           <a:xfrm>
-            <a:off x="3025160" y="2303249"/>
-            <a:ext cx="154408" cy="1476000"/>
+            <a:off x="3169176" y="2303529"/>
+            <a:ext cx="154408" cy="1728000"/>
           </a:xfrm>
           <a:prstGeom prst="rect">
             <a:avLst/>
@@ -3900,14 +4331,13 @@
           <p:cNvPr id="50" name="Straight Connector 49"/>
           <p:cNvCxnSpPr>
             <a:cxnSpLocks/>
-            <a:stCxn id="51" idx="0"/>
           </p:cNvCxnSpPr>
           <p:nvPr/>
         </p:nvCxnSpPr>
         <p:spPr>
           <a:xfrm flipH="1">
-            <a:off x="7059636" y="3213008"/>
-            <a:ext cx="36836" cy="2644579"/>
+            <a:off x="7077476" y="3717272"/>
+            <a:ext cx="36836" cy="1980000"/>
           </a:xfrm>
           <a:prstGeom prst="line">
             <a:avLst/>
@@ -3943,8 +4373,8 @@
         </p:nvSpPr>
         <p:spPr>
           <a:xfrm>
-            <a:off x="7020272" y="3213008"/>
-            <a:ext cx="152400" cy="288000"/>
+            <a:off x="7038112" y="3681040"/>
+            <a:ext cx="152400" cy="108000"/>
           </a:xfrm>
           <a:prstGeom prst="rect">
             <a:avLst/>
@@ -4120,8 +4550,8 @@
         </p:nvSpPr>
         <p:spPr>
           <a:xfrm>
-            <a:off x="-36512" y="2020198"/>
-            <a:ext cx="1296144" cy="184666"/>
+            <a:off x="107504" y="1466200"/>
+            <a:ext cx="1224136" cy="738664"/>
           </a:xfrm>
           <a:prstGeom prst="rect">
             <a:avLst/>
@@ -4228,7 +4658,6 @@
             </a:lvl9pPr>
           </a:lstStyle>
           <a:p>
-            <a:pPr algn="r"/>
             <a:r>
               <a:rPr lang="en-US" sz="1200" dirty="0">
                 <a:solidFill>
@@ -4243,7 +4672,39 @@
                   <a:srgbClr val="0070C0"/>
                 </a:solidFill>
               </a:rPr>
-              <a:t>(“task-add”)</a:t>
+              <a:t>(“task-add n/name p/high d/</a:t>
+            </a:r>
+            <a:r>
+              <a:rPr lang="en-US" sz="1200" dirty="0" err="1" smtClean="0">
+                <a:solidFill>
+                  <a:srgbClr val="0070C0"/>
+                </a:solidFill>
+              </a:rPr>
+              <a:t>desc</a:t>
+            </a:r>
+            <a:r>
+              <a:rPr lang="en-US" sz="1200" dirty="0" smtClean="0">
+                <a:solidFill>
+                  <a:srgbClr val="0070C0"/>
+                </a:solidFill>
+              </a:rPr>
+              <a:t> </a:t>
+            </a:r>
+            <a:r>
+              <a:rPr lang="en-US" sz="1200" dirty="0" err="1" smtClean="0">
+                <a:solidFill>
+                  <a:srgbClr val="0070C0"/>
+                </a:solidFill>
+              </a:rPr>
+              <a:t>dd</a:t>
+            </a:r>
+            <a:r>
+              <a:rPr lang="en-US" sz="1200" dirty="0" smtClean="0">
+                <a:solidFill>
+                  <a:srgbClr val="0070C0"/>
+                </a:solidFill>
+              </a:rPr>
+              <a:t>/2018-10-10 s/undone”)</a:t>
             </a:r>
             <a:endParaRPr lang="en-US" sz="1200" dirty="0">
               <a:solidFill>
@@ -4261,8 +4722,8 @@
         </p:nvCxnSpPr>
         <p:spPr>
           <a:xfrm flipV="1">
-            <a:off x="3153768" y="2480492"/>
-            <a:ext cx="1494000" cy="1"/>
+            <a:off x="3312008" y="2420888"/>
+            <a:ext cx="1332000" cy="1"/>
           </a:xfrm>
           <a:prstGeom prst="straightConnector1">
             <a:avLst/>
@@ -4297,7 +4758,7 @@
         </p:nvSpPr>
         <p:spPr>
           <a:xfrm>
-            <a:off x="3707904" y="4077072"/>
+            <a:off x="3923928" y="4293096"/>
             <a:ext cx="936104" cy="246221"/>
           </a:xfrm>
           <a:prstGeom prst="rect">
@@ -4437,8 +4898,8 @@
         </p:nvCxnSpPr>
         <p:spPr>
           <a:xfrm>
-            <a:off x="3181160" y="3643064"/>
-            <a:ext cx="2250000" cy="0"/>
+            <a:off x="3312096" y="3933056"/>
+            <a:ext cx="2124000" cy="0"/>
           </a:xfrm>
           <a:prstGeom prst="straightConnector1">
             <a:avLst/>
@@ -4477,8 +4938,8 @@
         </p:nvCxnSpPr>
         <p:spPr>
           <a:xfrm>
-            <a:off x="1403648" y="3789040"/>
-            <a:ext cx="1620000" cy="0"/>
+            <a:off x="1403648" y="4005064"/>
+            <a:ext cx="1746000" cy="0"/>
           </a:xfrm>
           <a:prstGeom prst="straightConnector1">
             <a:avLst/>
@@ -4515,7 +4976,7 @@
         </p:nvCxnSpPr>
         <p:spPr>
           <a:xfrm>
-            <a:off x="125967" y="5805264"/>
+            <a:off x="125967" y="5690323"/>
             <a:ext cx="1196051" cy="0"/>
           </a:xfrm>
           <a:prstGeom prst="straightConnector1">
@@ -4553,8 +5014,8 @@
         </p:nvSpPr>
         <p:spPr>
           <a:xfrm>
-            <a:off x="7006728" y="4353963"/>
-            <a:ext cx="161322" cy="1307285"/>
+            <a:off x="7006728" y="4581248"/>
+            <a:ext cx="161322" cy="900000"/>
           </a:xfrm>
           <a:prstGeom prst="rect">
             <a:avLst/>
@@ -4694,8 +5155,8 @@
         </p:nvSpPr>
         <p:spPr>
           <a:xfrm>
-            <a:off x="7403905" y="4293096"/>
-            <a:ext cx="840503" cy="246221"/>
+            <a:off x="7236296" y="4654145"/>
+            <a:ext cx="1152128" cy="246221"/>
           </a:xfrm>
           <a:prstGeom prst="rect">
             <a:avLst/>
@@ -4808,7 +5269,7 @@
                   <a:srgbClr val="0070C0"/>
                 </a:solidFill>
               </a:rPr>
-              <a:t>addTask()</a:t>
+              <a:t>addTask(task)</a:t>
             </a:r>
             <a:endParaRPr lang="en-US" sz="1600" dirty="0">
               <a:solidFill>
@@ -4826,8 +5287,8 @@
         </p:nvSpPr>
         <p:spPr>
           <a:xfrm>
-            <a:off x="1763688" y="1916832"/>
-            <a:ext cx="1008112" cy="369332"/>
+            <a:off x="1547664" y="1538208"/>
+            <a:ext cx="1656184" cy="738664"/>
           </a:xfrm>
           <a:prstGeom prst="rect">
             <a:avLst/>
@@ -4935,20 +5396,69 @@
           </a:lstStyle>
           <a:p>
             <a:r>
-              <a:rPr lang="en-US" sz="1200" dirty="0">
+              <a:rPr lang="en-US" sz="1200" dirty="0" smtClean="0">
                 <a:solidFill>
                   <a:srgbClr val="0070C0"/>
                 </a:solidFill>
               </a:rPr>
               <a:t>parseCommand</a:t>
             </a:r>
+          </a:p>
+          <a:p>
             <a:r>
               <a:rPr lang="en-US" sz="1200" dirty="0" smtClean="0">
                 <a:solidFill>
                   <a:srgbClr val="0070C0"/>
                 </a:solidFill>
               </a:rPr>
-              <a:t>(“task-add”)</a:t>
+              <a:t>(“task-add n/name p/high </a:t>
+            </a:r>
+            <a:endParaRPr lang="en-US" sz="1200" dirty="0" smtClean="0">
+              <a:solidFill>
+                <a:srgbClr val="0070C0"/>
+              </a:solidFill>
+            </a:endParaRPr>
+          </a:p>
+          <a:p>
+            <a:r>
+              <a:rPr lang="en-US" sz="1200" dirty="0" smtClean="0">
+                <a:solidFill>
+                  <a:srgbClr val="0070C0"/>
+                </a:solidFill>
+              </a:rPr>
+              <a:t>d/</a:t>
+            </a:r>
+            <a:r>
+              <a:rPr lang="en-US" sz="1200" dirty="0" err="1" smtClean="0">
+                <a:solidFill>
+                  <a:srgbClr val="0070C0"/>
+                </a:solidFill>
+              </a:rPr>
+              <a:t>desc</a:t>
+            </a:r>
+            <a:r>
+              <a:rPr lang="en-US" sz="1200" dirty="0" smtClean="0">
+                <a:solidFill>
+                  <a:srgbClr val="0070C0"/>
+                </a:solidFill>
+              </a:rPr>
+              <a:t> </a:t>
+            </a:r>
+            <a:r>
+              <a:rPr lang="en-US" sz="1200" dirty="0" err="1" smtClean="0">
+                <a:solidFill>
+                  <a:srgbClr val="0070C0"/>
+                </a:solidFill>
+              </a:rPr>
+              <a:t>dd</a:t>
+            </a:r>
+            <a:r>
+              <a:rPr lang="en-US" sz="1200" dirty="0" smtClean="0">
+                <a:solidFill>
+                  <a:srgbClr val="0070C0"/>
+                </a:solidFill>
+              </a:rPr>
+              <a:t>/2018-10-10 s/undone”)</a:t>
             </a:r>
             <a:endParaRPr lang="en-US" sz="1200" dirty="0">
               <a:solidFill>
@@ -4966,7 +5476,7 @@
         </p:nvSpPr>
         <p:spPr>
           <a:xfrm>
-            <a:off x="3950784" y="5405340"/>
+            <a:off x="3950784" y="5229200"/>
             <a:ext cx="621216" cy="246221"/>
           </a:xfrm>
           <a:prstGeom prst="rect">
@@ -5093,7 +5603,7 @@
         </p:nvSpPr>
         <p:spPr>
           <a:xfrm>
-            <a:off x="390238" y="5560165"/>
+            <a:off x="390238" y="5445224"/>
             <a:ext cx="581362" cy="246221"/>
           </a:xfrm>
           <a:prstGeom prst="rect">
@@ -5220,7 +5730,7 @@
         </p:nvSpPr>
         <p:spPr>
           <a:xfrm>
-            <a:off x="2051720" y="3501008"/>
+            <a:off x="2195736" y="3717032"/>
             <a:ext cx="220343" cy="246221"/>
           </a:xfrm>
           <a:prstGeom prst="rect">
@@ -5352,7 +5862,7 @@
         </p:nvSpPr>
         <p:spPr>
           <a:xfrm>
-            <a:off x="7524328" y="3823013"/>
+            <a:off x="7524328" y="4184062"/>
             <a:ext cx="1532191" cy="432035"/>
           </a:xfrm>
           <a:prstGeom prst="rect">
@@ -5507,7 +6017,7 @@
         </p:nvCxnSpPr>
         <p:spPr>
           <a:xfrm>
-            <a:off x="8470688" y="4245974"/>
+            <a:off x="8470688" y="4607023"/>
             <a:ext cx="0" cy="838201"/>
           </a:xfrm>
           <a:prstGeom prst="line">
@@ -5544,7 +6054,7 @@
         </p:nvSpPr>
         <p:spPr>
           <a:xfrm>
-            <a:off x="8367766" y="4550775"/>
+            <a:off x="8367766" y="4911824"/>
             <a:ext cx="217409" cy="351475"/>
           </a:xfrm>
           <a:prstGeom prst="rect">
@@ -5687,7 +6197,7 @@
         </p:nvCxnSpPr>
         <p:spPr>
           <a:xfrm>
-            <a:off x="7176617" y="4568012"/>
+            <a:off x="7176617" y="4929061"/>
             <a:ext cx="1210345" cy="0"/>
           </a:xfrm>
           <a:prstGeom prst="straightConnector1">
@@ -5723,7 +6233,7 @@
         </p:nvSpPr>
         <p:spPr>
           <a:xfrm>
-            <a:off x="6516216" y="2852936"/>
+            <a:off x="6516216" y="3212976"/>
             <a:ext cx="1231216" cy="461538"/>
           </a:xfrm>
           <a:prstGeom prst="rect">
@@ -5896,7 +6406,7 @@
           <p:cNvPr id="75" name="Straight Arrow Connector 74">
             <a:extLst>
               <a:ext uri="{FF2B5EF4-FFF2-40B4-BE49-F238E27FC236}">
-                <a16:creationId xmlns="" xmlns:a16="http://schemas.microsoft.com/office/drawing/2014/main" xmlns:lc="http://schemas.openxmlformats.org/drawingml/2006/lockedCanvas" id="{39916E2E-195A-4DC8-B025-B05FA87E6796}"/>
+                <a16:creationId xmlns:lc="http://schemas.openxmlformats.org/drawingml/2006/lockedCanvas" xmlns:a16="http://schemas.microsoft.com/office/drawing/2014/main" xmlns="" id="{39916E2E-195A-4DC8-B025-B05FA87E6796}"/>
               </a:ext>
             </a:extLst>
           </p:cNvPr>
@@ -5907,7 +6417,7 @@
         </p:nvCxnSpPr>
         <p:spPr>
           <a:xfrm>
-            <a:off x="1436319" y="4365103"/>
+            <a:off x="1436319" y="4581127"/>
             <a:ext cx="5580000" cy="1"/>
           </a:xfrm>
           <a:prstGeom prst="straightConnector1">
@@ -5940,7 +6450,7 @@
           <p:cNvPr id="76" name="Straight Arrow Connector 75">
             <a:extLst>
               <a:ext uri="{FF2B5EF4-FFF2-40B4-BE49-F238E27FC236}">
-                <a16:creationId xmlns="" xmlns:a16="http://schemas.microsoft.com/office/drawing/2014/main" xmlns:lc="http://schemas.openxmlformats.org/drawingml/2006/lockedCanvas" id="{D881596E-177C-4FDC-8E60-CAB90B3D5FAB}"/>
+                <a16:creationId xmlns:lc="http://schemas.openxmlformats.org/drawingml/2006/lockedCanvas" xmlns:a16="http://schemas.microsoft.com/office/drawing/2014/main" xmlns="" id="{D881596E-177C-4FDC-8E60-CAB90B3D5FAB}"/>
               </a:ext>
             </a:extLst>
           </p:cNvPr>
@@ -5951,8 +6461,8 @@
         </p:nvCxnSpPr>
         <p:spPr>
           <a:xfrm>
-            <a:off x="1453213" y="2332070"/>
-            <a:ext cx="1584000" cy="1"/>
+            <a:off x="1403648" y="2332070"/>
+            <a:ext cx="1782000" cy="1"/>
           </a:xfrm>
           <a:prstGeom prst="straightConnector1">
             <a:avLst/>
@@ -5984,7 +6494,7 @@
           <p:cNvPr id="77" name="Straight Arrow Connector 76">
             <a:extLst>
               <a:ext uri="{FF2B5EF4-FFF2-40B4-BE49-F238E27FC236}">
-                <a16:creationId xmlns="" xmlns:a16="http://schemas.microsoft.com/office/drawing/2014/main" xmlns:lc="http://schemas.openxmlformats.org/drawingml/2006/lockedCanvas" id="{7C9F21BC-13A9-471F-825A-2621FD36355F}"/>
+                <a16:creationId xmlns:lc="http://schemas.openxmlformats.org/drawingml/2006/lockedCanvas" xmlns:a16="http://schemas.microsoft.com/office/drawing/2014/main" xmlns="" id="{7C9F21BC-13A9-471F-825A-2621FD36355F}"/>
               </a:ext>
             </a:extLst>
           </p:cNvPr>
@@ -5995,7 +6505,7 @@
         </p:nvCxnSpPr>
         <p:spPr>
           <a:xfrm>
-            <a:off x="1436965" y="5650726"/>
+            <a:off x="1436965" y="5474586"/>
             <a:ext cx="5580000" cy="0"/>
           </a:xfrm>
           <a:prstGeom prst="straightConnector1">
@@ -6030,7 +6540,7 @@
           <p:cNvPr id="78" name="Straight Arrow Connector 77">
             <a:extLst>
               <a:ext uri="{FF2B5EF4-FFF2-40B4-BE49-F238E27FC236}">
-                <a16:creationId xmlns="" xmlns:a16="http://schemas.microsoft.com/office/drawing/2014/main" xmlns:lc="http://schemas.openxmlformats.org/drawingml/2006/lockedCanvas" id="{854D9FBB-2B36-4DC9-8B58-F7F177A8E586}"/>
+                <a16:creationId xmlns:lc="http://schemas.openxmlformats.org/drawingml/2006/lockedCanvas" xmlns:a16="http://schemas.microsoft.com/office/drawing/2014/main" xmlns="" id="{854D9FBB-2B36-4DC9-8B58-F7F177A8E586}"/>
               </a:ext>
             </a:extLst>
           </p:cNvPr>
@@ -6041,7 +6551,7 @@
         </p:nvCxnSpPr>
         <p:spPr>
           <a:xfrm>
-            <a:off x="7164288" y="4894679"/>
+            <a:off x="7164288" y="5255728"/>
             <a:ext cx="1188000" cy="0"/>
           </a:xfrm>
           <a:prstGeom prst="straightConnector1">
@@ -6079,7 +6589,7 @@
         </p:nvSpPr>
         <p:spPr>
           <a:xfrm>
-            <a:off x="4636916" y="2253265"/>
+            <a:off x="4636916" y="2204864"/>
             <a:ext cx="1807292" cy="467684"/>
           </a:xfrm>
           <a:prstGeom prst="rect">
@@ -6232,8 +6742,8 @@
         </p:nvSpPr>
         <p:spPr>
           <a:xfrm>
-            <a:off x="5429004" y="2720948"/>
-            <a:ext cx="152400" cy="936000"/>
+            <a:off x="5436096" y="3411064"/>
+            <a:ext cx="152400" cy="522000"/>
           </a:xfrm>
           <a:prstGeom prst="rect">
             <a:avLst/>
@@ -6373,8 +6883,8 @@
         </p:nvSpPr>
         <p:spPr>
           <a:xfrm>
-            <a:off x="3351257" y="2236222"/>
-            <a:ext cx="1148735" cy="184666"/>
+            <a:off x="3491880" y="2996952"/>
+            <a:ext cx="1944216" cy="369332"/>
           </a:xfrm>
           <a:prstGeom prst="rect">
             <a:avLst/>
@@ -6487,7 +6997,39 @@
                   <a:srgbClr val="0070C0"/>
                 </a:solidFill>
               </a:rPr>
-              <a:t>parse(“task-add”)</a:t>
+              <a:t>parse(“n/name p/high d/</a:t>
+            </a:r>
+            <a:r>
+              <a:rPr lang="en-US" sz="1200" dirty="0" err="1" smtClean="0">
+                <a:solidFill>
+                  <a:srgbClr val="0070C0"/>
+                </a:solidFill>
+              </a:rPr>
+              <a:t>desc</a:t>
+            </a:r>
+            <a:r>
+              <a:rPr lang="en-US" sz="1200" dirty="0" smtClean="0">
+                <a:solidFill>
+                  <a:srgbClr val="0070C0"/>
+                </a:solidFill>
+              </a:rPr>
+              <a:t> </a:t>
+            </a:r>
+            <a:r>
+              <a:rPr lang="en-US" sz="1200" dirty="0" err="1" smtClean="0">
+                <a:solidFill>
+                  <a:srgbClr val="0070C0"/>
+                </a:solidFill>
+              </a:rPr>
+              <a:t>dd</a:t>
+            </a:r>
+            <a:r>
+              <a:rPr lang="en-US" sz="1200" dirty="0" smtClean="0">
+                <a:solidFill>
+                  <a:srgbClr val="0070C0"/>
+                </a:solidFill>
+              </a:rPr>
+              <a:t>/2018-10-10 s/undone”)</a:t>
             </a:r>
             <a:endParaRPr lang="en-US" sz="1200" dirty="0">
               <a:solidFill>
@@ -6505,7 +7047,7 @@
         </p:nvCxnSpPr>
         <p:spPr>
           <a:xfrm flipV="1">
-            <a:off x="5580112" y="3068959"/>
+            <a:off x="5597952" y="3501007"/>
             <a:ext cx="928800" cy="1"/>
           </a:xfrm>
           <a:prstGeom prst="straightConnector1">
@@ -6533,138 +7075,6 @@
           </a:fontRef>
         </p:style>
       </p:cxnSp>
-      <p:sp>
-        <p:nvSpPr>
-          <p:cNvPr id="37" name="TextBox 92"/>
-          <p:cNvSpPr txBox="1"/>
-          <p:nvPr/>
-        </p:nvSpPr>
-        <p:spPr>
-          <a:xfrm>
-            <a:off x="4202705" y="3356992"/>
-            <a:ext cx="220343" cy="246221"/>
-          </a:xfrm>
-          <a:prstGeom prst="rect">
-            <a:avLst/>
-          </a:prstGeom>
-          <a:noFill/>
-        </p:spPr>
-        <p:txBody>
-          <a:bodyPr wrap="square" lIns="0" tIns="0" rIns="0" bIns="0" rtlCol="0">
-            <a:spAutoFit/>
-          </a:bodyPr>
-          <a:lstStyle>
-            <a:defPPr>
-              <a:defRPr lang="en-US"/>
-            </a:defPPr>
-            <a:lvl1pPr marL="0" algn="l" defTabSz="914400" rtl="0" eaLnBrk="1" latinLnBrk="0" hangingPunct="1">
-              <a:defRPr sz="1800" kern="1200">
-                <a:solidFill>
-                  <a:schemeClr val="tx1"/>
-                </a:solidFill>
-                <a:latin typeface="+mn-lt"/>
-                <a:ea typeface="+mn-ea"/>
-                <a:cs typeface="+mn-cs"/>
-              </a:defRPr>
-            </a:lvl1pPr>
-            <a:lvl2pPr marL="457200" algn="l" defTabSz="914400" rtl="0" eaLnBrk="1" latinLnBrk="0" hangingPunct="1">
-              <a:defRPr sz="1800" kern="1200">
-                <a:solidFill>
-                  <a:schemeClr val="tx1"/>
-                </a:solidFill>
-                <a:latin typeface="+mn-lt"/>
-                <a:ea typeface="+mn-ea"/>
-                <a:cs typeface="+mn-cs"/>
-              </a:defRPr>
-            </a:lvl2pPr>
-            <a:lvl3pPr marL="914400" algn="l" defTabSz="914400" rtl="0" eaLnBrk="1" latinLnBrk="0" hangingPunct="1">
-              <a:defRPr sz="1800" kern="1200">
-                <a:solidFill>
-                  <a:schemeClr val="tx1"/>
-                </a:solidFill>
-                <a:latin typeface="+mn-lt"/>
-                <a:ea typeface="+mn-ea"/>
-                <a:cs typeface="+mn-cs"/>
-              </a:defRPr>
-            </a:lvl3pPr>
-            <a:lvl4pPr marL="1371600" algn="l" defTabSz="914400" rtl="0" eaLnBrk="1" latinLnBrk="0" hangingPunct="1">
-              <a:defRPr sz="1800" kern="1200">
-                <a:solidFill>
-                  <a:schemeClr val="tx1"/>
-                </a:solidFill>
-                <a:latin typeface="+mn-lt"/>
-                <a:ea typeface="+mn-ea"/>
-                <a:cs typeface="+mn-cs"/>
-              </a:defRPr>
-            </a:lvl4pPr>
-            <a:lvl5pPr marL="1828800" algn="l" defTabSz="914400" rtl="0" eaLnBrk="1" latinLnBrk="0" hangingPunct="1">
-              <a:defRPr sz="1800" kern="1200">
-                <a:solidFill>
-                  <a:schemeClr val="tx1"/>
-                </a:solidFill>
-                <a:latin typeface="+mn-lt"/>
-                <a:ea typeface="+mn-ea"/>
-                <a:cs typeface="+mn-cs"/>
-              </a:defRPr>
-            </a:lvl5pPr>
-            <a:lvl6pPr marL="2286000" algn="l" defTabSz="914400" rtl="0" eaLnBrk="1" latinLnBrk="0" hangingPunct="1">
-              <a:defRPr sz="1800" kern="1200">
-                <a:solidFill>
-                  <a:schemeClr val="tx1"/>
-                </a:solidFill>
-                <a:latin typeface="+mn-lt"/>
-                <a:ea typeface="+mn-ea"/>
-                <a:cs typeface="+mn-cs"/>
-              </a:defRPr>
-            </a:lvl6pPr>
-            <a:lvl7pPr marL="2743200" algn="l" defTabSz="914400" rtl="0" eaLnBrk="1" latinLnBrk="0" hangingPunct="1">
-              <a:defRPr sz="1800" kern="1200">
-                <a:solidFill>
-                  <a:schemeClr val="tx1"/>
-                </a:solidFill>
-                <a:latin typeface="+mn-lt"/>
-                <a:ea typeface="+mn-ea"/>
-                <a:cs typeface="+mn-cs"/>
-              </a:defRPr>
-            </a:lvl7pPr>
-            <a:lvl8pPr marL="3200400" algn="l" defTabSz="914400" rtl="0" eaLnBrk="1" latinLnBrk="0" hangingPunct="1">
-              <a:defRPr sz="1800" kern="1200">
-                <a:solidFill>
-                  <a:schemeClr val="tx1"/>
-                </a:solidFill>
-                <a:latin typeface="+mn-lt"/>
-                <a:ea typeface="+mn-ea"/>
-                <a:cs typeface="+mn-cs"/>
-              </a:defRPr>
-            </a:lvl8pPr>
-            <a:lvl9pPr marL="3657600" algn="l" defTabSz="914400" rtl="0" eaLnBrk="1" latinLnBrk="0" hangingPunct="1">
-              <a:defRPr sz="1800" kern="1200">
-                <a:solidFill>
-                  <a:schemeClr val="tx1"/>
-                </a:solidFill>
-                <a:latin typeface="+mn-lt"/>
-                <a:ea typeface="+mn-ea"/>
-                <a:cs typeface="+mn-cs"/>
-              </a:defRPr>
-            </a:lvl9pPr>
-          </a:lstStyle>
-          <a:p>
-            <a:r>
-              <a:rPr lang="en-US" sz="1600" dirty="0" smtClean="0">
-                <a:solidFill>
-                  <a:srgbClr val="0070C0"/>
-                </a:solidFill>
-              </a:rPr>
-              <a:t>ta</a:t>
-            </a:r>
-            <a:endParaRPr lang="en-US" sz="1600" dirty="0">
-              <a:solidFill>
-                <a:srgbClr val="0070C0"/>
-              </a:solidFill>
-            </a:endParaRPr>
-          </a:p>
-        </p:txBody>
-      </p:sp>
       <p:cxnSp>
         <p:nvCxnSpPr>
           <p:cNvPr id="38" name="Straight Connector 37"/>
@@ -6675,8 +7085,8 @@
         </p:nvCxnSpPr>
         <p:spPr>
           <a:xfrm>
-            <a:off x="5508104" y="2708920"/>
-            <a:ext cx="0" cy="1080000"/>
+            <a:off x="5508104" y="2636912"/>
+            <a:ext cx="0" cy="1440000"/>
           </a:xfrm>
           <a:prstGeom prst="line">
             <a:avLst/>
@@ -6712,7 +7122,7 @@
         </p:nvCxnSpPr>
         <p:spPr>
           <a:xfrm>
-            <a:off x="5562272" y="3501008"/>
+            <a:off x="5580112" y="3789040"/>
             <a:ext cx="1458000" cy="0"/>
           </a:xfrm>
           <a:prstGeom prst="straightConnector1">
@@ -6744,24 +7154,44 @@
       </p:cxnSp>
       <p:sp>
         <p:nvSpPr>
-          <p:cNvPr id="40" name="TextBox 92"/>
-          <p:cNvSpPr txBox="1"/>
+          <p:cNvPr id="41" name="Rectangle 40"/>
+          <p:cNvSpPr/>
           <p:nvPr/>
         </p:nvSpPr>
         <p:spPr>
           <a:xfrm>
-            <a:off x="6079849" y="3212976"/>
-            <a:ext cx="220343" cy="246221"/>
+            <a:off x="5436096" y="2636912"/>
+            <a:ext cx="152400" cy="144000"/>
           </a:xfrm>
           <a:prstGeom prst="rect">
             <a:avLst/>
           </a:prstGeom>
-          <a:noFill/>
+          <a:solidFill>
+            <a:srgbClr val="0070C0"/>
+          </a:solidFill>
+          <a:ln>
+            <a:solidFill>
+              <a:srgbClr val="0070C0"/>
+            </a:solidFill>
+          </a:ln>
+          <a:effectLst/>
         </p:spPr>
-        <p:txBody>
-          <a:bodyPr wrap="square" lIns="0" tIns="0" rIns="0" bIns="0" rtlCol="0">
-            <a:spAutoFit/>
-          </a:bodyPr>
+        <p:style>
+          <a:lnRef idx="1">
+            <a:schemeClr val="accent3"/>
+          </a:lnRef>
+          <a:fillRef idx="2">
+            <a:schemeClr val="accent3"/>
+          </a:fillRef>
+          <a:effectRef idx="1">
+            <a:schemeClr val="accent3"/>
+          </a:effectRef>
+          <a:fontRef idx="minor">
+            <a:schemeClr val="dk1"/>
+          </a:fontRef>
+        </p:style>
+        <p:txBody>
+          <a:bodyPr rtlCol="0" anchor="ctr"/>
           <a:lstStyle>
             <a:defPPr>
               <a:defRPr lang="en-US"/>
@@ -6769,7 +7199,7 @@
             <a:lvl1pPr marL="0" algn="l" defTabSz="914400" rtl="0" eaLnBrk="1" latinLnBrk="0" hangingPunct="1">
               <a:defRPr sz="1800" kern="1200">
                 <a:solidFill>
-                  <a:schemeClr val="tx1"/>
+                  <a:schemeClr val="dk1"/>
                 </a:solidFill>
                 <a:latin typeface="+mn-lt"/>
                 <a:ea typeface="+mn-ea"/>
@@ -6779,7 +7209,7 @@
             <a:lvl2pPr marL="457200" algn="l" defTabSz="914400" rtl="0" eaLnBrk="1" latinLnBrk="0" hangingPunct="1">
               <a:defRPr sz="1800" kern="1200">
                 <a:solidFill>
-                  <a:schemeClr val="tx1"/>
+                  <a:schemeClr val="dk1"/>
                 </a:solidFill>
                 <a:latin typeface="+mn-lt"/>
                 <a:ea typeface="+mn-ea"/>
@@ -6789,7 +7219,7 @@
             <a:lvl3pPr marL="914400" algn="l" defTabSz="914400" rtl="0" eaLnBrk="1" latinLnBrk="0" hangingPunct="1">
               <a:defRPr sz="1800" kern="1200">
                 <a:solidFill>
-                  <a:schemeClr val="tx1"/>
+                  <a:schemeClr val="dk1"/>
                 </a:solidFill>
                 <a:latin typeface="+mn-lt"/>
                 <a:ea typeface="+mn-ea"/>
@@ -6799,7 +7229,7 @@
             <a:lvl4pPr marL="1371600" algn="l" defTabSz="914400" rtl="0" eaLnBrk="1" latinLnBrk="0" hangingPunct="1">
               <a:defRPr sz="1800" kern="1200">
                 <a:solidFill>
-                  <a:schemeClr val="tx1"/>
+                  <a:schemeClr val="dk1"/>
                 </a:solidFill>
                 <a:latin typeface="+mn-lt"/>
                 <a:ea typeface="+mn-ea"/>
@@ -6809,7 +7239,7 @@
             <a:lvl5pPr marL="1828800" algn="l" defTabSz="914400" rtl="0" eaLnBrk="1" latinLnBrk="0" hangingPunct="1">
               <a:defRPr sz="1800" kern="1200">
                 <a:solidFill>
-                  <a:schemeClr val="tx1"/>
+                  <a:schemeClr val="dk1"/>
                 </a:solidFill>
                 <a:latin typeface="+mn-lt"/>
                 <a:ea typeface="+mn-ea"/>
@@ -6819,7 +7249,7 @@
             <a:lvl6pPr marL="2286000" algn="l" defTabSz="914400" rtl="0" eaLnBrk="1" latinLnBrk="0" hangingPunct="1">
               <a:defRPr sz="1800" kern="1200">
                 <a:solidFill>
-                  <a:schemeClr val="tx1"/>
+                  <a:schemeClr val="dk1"/>
                 </a:solidFill>
                 <a:latin typeface="+mn-lt"/>
                 <a:ea typeface="+mn-ea"/>
@@ -6829,7 +7259,7 @@
             <a:lvl7pPr marL="2743200" algn="l" defTabSz="914400" rtl="0" eaLnBrk="1" latinLnBrk="0" hangingPunct="1">
               <a:defRPr sz="1800" kern="1200">
                 <a:solidFill>
-                  <a:schemeClr val="tx1"/>
+                  <a:schemeClr val="dk1"/>
                 </a:solidFill>
                 <a:latin typeface="+mn-lt"/>
                 <a:ea typeface="+mn-ea"/>
@@ -6839,7 +7269,7 @@
             <a:lvl8pPr marL="3200400" algn="l" defTabSz="914400" rtl="0" eaLnBrk="1" latinLnBrk="0" hangingPunct="1">
               <a:defRPr sz="1800" kern="1200">
                 <a:solidFill>
-                  <a:schemeClr val="tx1"/>
+                  <a:schemeClr val="dk1"/>
                 </a:solidFill>
                 <a:latin typeface="+mn-lt"/>
                 <a:ea typeface="+mn-ea"/>
@@ -6849,7 +7279,7 @@
             <a:lvl9pPr marL="3657600" algn="l" defTabSz="914400" rtl="0" eaLnBrk="1" latinLnBrk="0" hangingPunct="1">
               <a:defRPr sz="1800" kern="1200">
                 <a:solidFill>
-                  <a:schemeClr val="tx1"/>
+                  <a:schemeClr val="dk1"/>
                 </a:solidFill>
                 <a:latin typeface="+mn-lt"/>
                 <a:ea typeface="+mn-ea"/>
@@ -6858,22 +7288,85 @@
             </a:lvl9pPr>
           </a:lstStyle>
           <a:p>
-            <a:r>
-              <a:rPr lang="en-US" sz="1600" dirty="0" smtClean="0">
-                <a:solidFill>
-                  <a:srgbClr val="0070C0"/>
-                </a:solidFill>
-              </a:rPr>
-              <a:t>ta</a:t>
-            </a:r>
-            <a:endParaRPr lang="en-US" sz="1600" dirty="0">
-              <a:solidFill>
-                <a:srgbClr val="0070C0"/>
-              </a:solidFill>
-            </a:endParaRPr>
-          </a:p>
-        </p:txBody>
-      </p:sp>
+            <a:pPr algn="ctr"/>
+            <a:endParaRPr lang="en-SG" sz="1400"/>
+          </a:p>
+        </p:txBody>
+      </p:sp>
+      <p:cxnSp>
+        <p:nvCxnSpPr>
+          <p:cNvPr id="42" name="Straight Arrow Connector 41"/>
+          <p:cNvCxnSpPr/>
+          <p:nvPr/>
+        </p:nvCxnSpPr>
+        <p:spPr>
+          <a:xfrm>
+            <a:off x="3312096" y="2780928"/>
+            <a:ext cx="2124000" cy="0"/>
+          </a:xfrm>
+          <a:prstGeom prst="straightConnector1">
+            <a:avLst/>
+          </a:prstGeom>
+          <a:ln w="19050">
+            <a:solidFill>
+              <a:srgbClr val="0070C0"/>
+            </a:solidFill>
+            <a:prstDash val="sysDash"/>
+            <a:headEnd type="arrow" w="med" len="med"/>
+            <a:tailEnd type="none" w="med" len="med"/>
+          </a:ln>
+        </p:spPr>
+        <p:style>
+          <a:lnRef idx="1">
+            <a:schemeClr val="accent1"/>
+          </a:lnRef>
+          <a:fillRef idx="0">
+            <a:schemeClr val="accent1"/>
+          </a:fillRef>
+          <a:effectRef idx="0">
+            <a:schemeClr val="accent1"/>
+          </a:effectRef>
+          <a:fontRef idx="minor">
+            <a:schemeClr val="tx1"/>
+          </a:fontRef>
+        </p:style>
+      </p:cxnSp>
+      <p:cxnSp>
+        <p:nvCxnSpPr>
+          <p:cNvPr id="60" name="Straight Arrow Connector 59"/>
+          <p:cNvCxnSpPr/>
+          <p:nvPr/>
+        </p:nvCxnSpPr>
+        <p:spPr>
+          <a:xfrm flipV="1">
+            <a:off x="3312008" y="3428999"/>
+            <a:ext cx="2142000" cy="1"/>
+          </a:xfrm>
+          <a:prstGeom prst="straightConnector1">
+            <a:avLst/>
+          </a:prstGeom>
+          <a:ln w="19050">
+            <a:solidFill>
+              <a:srgbClr val="0070C0"/>
+            </a:solidFill>
+            <a:tailEnd type="arrow"/>
+          </a:ln>
+        </p:spPr>
+        <p:style>
+          <a:lnRef idx="1">
+            <a:schemeClr val="accent1"/>
+          </a:lnRef>
+          <a:fillRef idx="0">
+            <a:schemeClr val="accent1"/>
+          </a:fillRef>
+          <a:effectRef idx="0">
+            <a:schemeClr val="accent1"/>
+          </a:effectRef>
+          <a:fontRef idx="minor">
+            <a:schemeClr val="tx1"/>
+          </a:fontRef>
+        </p:style>
+      </p:cxnSp>
     </p:spTree>
   </p:cSld>
   <p:clrMapOvr>
@@ -7170,4 +7663,287 @@
   <a:objectDefaults/>
   <a:extraClrSchemeLst/>
 </a:theme>
+</file>
+
+<file path=ppt/theme/theme2.xml><?xml version="1.0" encoding="utf-8"?>
+<a:theme xmlns:a="http://schemas.openxmlformats.org/drawingml/2006/main" name="Office Theme">
+  <a:themeElements>
+    <a:clrScheme name="Office">
+      <a:dk1>
+        <a:sysClr val="windowText" lastClr="000000"/>
+      </a:dk1>
+      <a:lt1>
+        <a:sysClr val="window" lastClr="FFFFFF"/>
+      </a:lt1>
+      <a:dk2>
+        <a:srgbClr val="1F497D"/>
+      </a:dk2>
+      <a:lt2>
+        <a:srgbClr val="EEECE1"/>
+      </a:lt2>
+      <a:accent1>
+        <a:srgbClr val="4F81BD"/>
+      </a:accent1>
+      <a:accent2>
+        <a:srgbClr val="C0504D"/>
+      </a:accent2>
+      <a:accent3>
+        <a:srgbClr val="9BBB59"/>
+      </a:accent3>
+      <a:accent4>
+        <a:srgbClr val="8064A2"/>
+      </a:accent4>
+      <a:accent5>
+        <a:srgbClr val="4BACC6"/>
+      </a:accent5>
+      <a:accent6>
+        <a:srgbClr val="F79646"/>
+      </a:accent6>
+      <a:hlink>
+        <a:srgbClr val="0000FF"/>
+      </a:hlink>
+      <a:folHlink>
+        <a:srgbClr val="800080"/>
+      </a:folHlink>
+    </a:clrScheme>
+    <a:fontScheme name="Office">
+      <a:majorFont>
+        <a:latin typeface="Calibri"/>
+        <a:ea typeface=""/>
+        <a:cs typeface=""/>
+        <a:font script="Jpan" typeface="ＭＳ Ｐゴシック"/>
+        <a:font script="Hang" typeface="맑은 고딕"/>
+        <a:font script="Hans" typeface="宋体"/>
+        <a:font script="Hant" typeface="新細明體"/>
+        <a:font script="Arab" typeface="Times New Roman"/>
+        <a:font script="Hebr" typeface="Times New Roman"/>
+        <a:font script="Thai" typeface="Angsana New"/>
+        <a:font script="Ethi" typeface="Nyala"/>
+        <a:font script="Beng" typeface="Vrinda"/>
+        <a:font script="Gujr" typeface="Shruti"/>
+        <a:font script="Khmr" typeface="MoolBoran"/>
+        <a:font script="Knda" typeface="Tunga"/>
+        <a:font script="Guru" typeface="Raavi"/>
+        <a:font script="Cans" typeface="Euphemia"/>
+        <a:font script="Cher" typeface="Plantagenet Cherokee"/>
+        <a:font script="Yiii" typeface="Microsoft Yi Baiti"/>
+        <a:font script="Tibt" typeface="Microsoft Himalaya"/>
+        <a:font script="Thaa" typeface="MV Boli"/>
+        <a:font script="Deva" typeface="Mangal"/>
+        <a:font script="Telu" typeface="Gautami"/>
+        <a:font script="Taml" typeface="Latha"/>
+        <a:font script="Syrc" typeface="Estrangelo Edessa"/>
+        <a:font script="Orya" typeface="Kalinga"/>
+        <a:font script="Mlym" typeface="Kartika"/>
+        <a:font script="Laoo" typeface="DokChampa"/>
+        <a:font script="Sinh" typeface="Iskoola Pota"/>
+        <a:font script="Mong" typeface="Mongolian Baiti"/>
+        <a:font script="Viet" typeface="Times New Roman"/>
+        <a:font script="Uigh" typeface="Microsoft Uighur"/>
+      </a:majorFont>
+      <a:minorFont>
+        <a:latin typeface="Calibri"/>
+        <a:ea typeface=""/>
+        <a:cs typeface=""/>
+        <a:font script="Jpan" typeface="ＭＳ Ｐゴシック"/>
+        <a:font script="Hang" typeface="맑은 고딕"/>
+        <a:font script="Hans" typeface="宋体"/>
+        <a:font script="Hant" typeface="新細明體"/>
+        <a:font script="Arab" typeface="Arial"/>
+        <a:font script="Hebr" typeface="Arial"/>
+        <a:font script="Thai" typeface="Cordia New"/>
+        <a:font script="Ethi" typeface="Nyala"/>
+        <a:font script="Beng" typeface="Vrinda"/>
+        <a:font script="Gujr" typeface="Shruti"/>
+        <a:font script="Khmr" typeface="DaunPenh"/>
+        <a:font script="Knda" typeface="Tunga"/>
+        <a:font script="Guru" typeface="Raavi"/>
+        <a:font script="Cans" typeface="Euphemia"/>
+        <a:font script="Cher" typeface="Plantagenet Cherokee"/>
+        <a:font script="Yiii" typeface="Microsoft Yi Baiti"/>
+        <a:font script="Tibt" typeface="Microsoft Himalaya"/>
+        <a:font script="Thaa" typeface="MV Boli"/>
+        <a:font script="Deva" typeface="Mangal"/>
+        <a:font script="Telu" typeface="Gautami"/>
+        <a:font script="Taml" typeface="Latha"/>
+        <a:font script="Syrc" typeface="Estrangelo Edessa"/>
+        <a:font script="Orya" typeface="Kalinga"/>
+        <a:font script="Mlym" typeface="Kartika"/>
+        <a:font script="Laoo" typeface="DokChampa"/>
+        <a:font script="Sinh" typeface="Iskoola Pota"/>
+        <a:font script="Mong" typeface="Mongolian Baiti"/>
+        <a:font script="Viet" typeface="Arial"/>
+        <a:font script="Uigh" typeface="Microsoft Uighur"/>
+      </a:minorFont>
+    </a:fontScheme>
+    <a:fmtScheme name="Office">
+      <a:fillStyleLst>
+        <a:solidFill>
+          <a:schemeClr val="phClr"/>
+        </a:solidFill>
+        <a:gradFill rotWithShape="1">
+          <a:gsLst>
+            <a:gs pos="0">
+              <a:schemeClr val="phClr">
+                <a:tint val="50000"/>
+                <a:satMod val="300000"/>
+              </a:schemeClr>
+            </a:gs>
+            <a:gs pos="35000">
+              <a:schemeClr val="phClr">
+                <a:tint val="37000"/>
+                <a:satMod val="300000"/>
+              </a:schemeClr>
+            </a:gs>
+            <a:gs pos="100000">
+              <a:schemeClr val="phClr">
+                <a:tint val="15000"/>
+                <a:satMod val="350000"/>
+              </a:schemeClr>
+            </a:gs>
+          </a:gsLst>
+          <a:lin ang="16200000" scaled="1"/>
+        </a:gradFill>
+        <a:gradFill rotWithShape="1">
+          <a:gsLst>
+            <a:gs pos="0">
+              <a:schemeClr val="phClr">
+                <a:shade val="51000"/>
+                <a:satMod val="130000"/>
+              </a:schemeClr>
+            </a:gs>
+            <a:gs pos="80000">
+              <a:schemeClr val="phClr">
+                <a:shade val="93000"/>
+                <a:satMod val="130000"/>
+              </a:schemeClr>
+            </a:gs>
+            <a:gs pos="100000">
+              <a:schemeClr val="phClr">
+                <a:shade val="94000"/>
+                <a:satMod val="135000"/>
+              </a:schemeClr>
+            </a:gs>
+          </a:gsLst>
+          <a:lin ang="16200000" scaled="0"/>
+        </a:gradFill>
+      </a:fillStyleLst>
+      <a:lnStyleLst>
+        <a:ln w="9525" cap="flat" cmpd="sng" algn="ctr">
+          <a:solidFill>
+            <a:schemeClr val="phClr">
+              <a:shade val="95000"/>
+              <a:satMod val="105000"/>
+            </a:schemeClr>
+          </a:solidFill>
+          <a:prstDash val="solid"/>
+        </a:ln>
+        <a:ln w="25400" cap="flat" cmpd="sng" algn="ctr">
+          <a:solidFill>
+            <a:schemeClr val="phClr"/>
+          </a:solidFill>
+          <a:prstDash val="solid"/>
+        </a:ln>
+        <a:ln w="38100" cap="flat" cmpd="sng" algn="ctr">
+          <a:solidFill>
+            <a:schemeClr val="phClr"/>
+          </a:solidFill>
+          <a:prstDash val="solid"/>
+        </a:ln>
+      </a:lnStyleLst>
+      <a:effectStyleLst>
+        <a:effectStyle>
+          <a:effectLst>
+            <a:outerShdw blurRad="40000" dist="20000" dir="5400000" rotWithShape="0">
+              <a:srgbClr val="000000">
+                <a:alpha val="38000"/>
+              </a:srgbClr>
+            </a:outerShdw>
+          </a:effectLst>
+        </a:effectStyle>
+        <a:effectStyle>
+          <a:effectLst>
+            <a:outerShdw blurRad="40000" dist="23000" dir="5400000" rotWithShape="0">
+              <a:srgbClr val="000000">
+                <a:alpha val="35000"/>
+              </a:srgbClr>
+            </a:outerShdw>
+          </a:effectLst>
+        </a:effectStyle>
+        <a:effectStyle>
+          <a:effectLst>
+            <a:outerShdw blurRad="40000" dist="23000" dir="5400000" rotWithShape="0">
+              <a:srgbClr val="000000">
+                <a:alpha val="35000"/>
+              </a:srgbClr>
+            </a:outerShdw>
+          </a:effectLst>
+          <a:scene3d>
+            <a:camera prst="orthographicFront">
+              <a:rot lat="0" lon="0" rev="0"/>
+            </a:camera>
+            <a:lightRig rig="threePt" dir="t">
+              <a:rot lat="0" lon="0" rev="1200000"/>
+            </a:lightRig>
+          </a:scene3d>
+          <a:sp3d>
+            <a:bevelT w="63500" h="25400"/>
+          </a:sp3d>
+        </a:effectStyle>
+      </a:effectStyleLst>
+      <a:bgFillStyleLst>
+        <a:solidFill>
+          <a:schemeClr val="phClr"/>
+        </a:solidFill>
+        <a:gradFill rotWithShape="1">
+          <a:gsLst>
+            <a:gs pos="0">
+              <a:schemeClr val="phClr">
+                <a:tint val="40000"/>
+                <a:satMod val="350000"/>
+              </a:schemeClr>
+            </a:gs>
+            <a:gs pos="40000">
+              <a:schemeClr val="phClr">
+                <a:tint val="45000"/>
+                <a:shade val="99000"/>
+                <a:satMod val="350000"/>
+              </a:schemeClr>
+            </a:gs>
+            <a:gs pos="100000">
+              <a:schemeClr val="phClr">
+                <a:shade val="20000"/>
+                <a:satMod val="255000"/>
+              </a:schemeClr>
+            </a:gs>
+          </a:gsLst>
+          <a:path path="circle">
+            <a:fillToRect l="50000" t="-80000" r="50000" b="180000"/>
+          </a:path>
+        </a:gradFill>
+        <a:gradFill rotWithShape="1">
+          <a:gsLst>
+            <a:gs pos="0">
+              <a:schemeClr val="phClr">
+                <a:tint val="80000"/>
+                <a:satMod val="300000"/>
+              </a:schemeClr>
+            </a:gs>
+            <a:gs pos="100000">
+              <a:schemeClr val="phClr">
+                <a:shade val="30000"/>
+                <a:satMod val="200000"/>
+              </a:schemeClr>
+            </a:gs>
+          </a:gsLst>
+          <a:path path="circle">
+            <a:fillToRect l="50000" t="50000" r="50000" b="50000"/>
+          </a:path>
+        </a:gradFill>
+      </a:bgFillStyleLst>
+    </a:fmtScheme>
+  </a:themeElements>
+  <a:objectDefaults/>
+  <a:extraClrSchemeLst/>
+</a:theme>
 </file>